--- a/College lectures/9_Pytest_ч2_v1.pptx
+++ b/College lectures/9_Pytest_ч2_v1.pptx
@@ -275,7 +275,7 @@
           <a:p>
             <a:fld id="{E4805DB2-06D5-9A4D-B011-E89EF50A620E}" type="datetimeFigureOut">
               <a:rPr lang="ru-RU" smtClean="0"/>
-              <a:t>08.04.2022</a:t>
+              <a:t>29.04.2022</a:t>
             </a:fld>
             <a:endParaRPr lang="ru-RU"/>
           </a:p>
@@ -448,7 +448,7 @@
           <a:p>
             <a:fld id="{E4805DB2-06D5-9A4D-B011-E89EF50A620E}" type="datetimeFigureOut">
               <a:rPr lang="ru-RU" smtClean="0"/>
-              <a:t>08.04.2022</a:t>
+              <a:t>29.04.2022</a:t>
             </a:fld>
             <a:endParaRPr lang="ru-RU"/>
           </a:p>
@@ -631,7 +631,7 @@
           <a:p>
             <a:fld id="{E4805DB2-06D5-9A4D-B011-E89EF50A620E}" type="datetimeFigureOut">
               <a:rPr lang="ru-RU" smtClean="0"/>
-              <a:t>08.04.2022</a:t>
+              <a:t>29.04.2022</a:t>
             </a:fld>
             <a:endParaRPr lang="ru-RU"/>
           </a:p>
@@ -804,7 +804,7 @@
           <a:p>
             <a:fld id="{E4805DB2-06D5-9A4D-B011-E89EF50A620E}" type="datetimeFigureOut">
               <a:rPr lang="ru-RU" smtClean="0"/>
-              <a:t>08.04.2022</a:t>
+              <a:t>29.04.2022</a:t>
             </a:fld>
             <a:endParaRPr lang="ru-RU"/>
           </a:p>
@@ -1082,7 +1082,7 @@
           <a:p>
             <a:fld id="{E4805DB2-06D5-9A4D-B011-E89EF50A620E}" type="datetimeFigureOut">
               <a:rPr lang="ru-RU" smtClean="0"/>
-              <a:t>08.04.2022</a:t>
+              <a:t>29.04.2022</a:t>
             </a:fld>
             <a:endParaRPr lang="ru-RU"/>
           </a:p>
@@ -1297,7 +1297,7 @@
           <a:p>
             <a:fld id="{E4805DB2-06D5-9A4D-B011-E89EF50A620E}" type="datetimeFigureOut">
               <a:rPr lang="ru-RU" smtClean="0"/>
-              <a:t>08.04.2022</a:t>
+              <a:t>29.04.2022</a:t>
             </a:fld>
             <a:endParaRPr lang="ru-RU"/>
           </a:p>
@@ -1665,7 +1665,7 @@
           <a:p>
             <a:fld id="{E4805DB2-06D5-9A4D-B011-E89EF50A620E}" type="datetimeFigureOut">
               <a:rPr lang="ru-RU" smtClean="0"/>
-              <a:t>08.04.2022</a:t>
+              <a:t>29.04.2022</a:t>
             </a:fld>
             <a:endParaRPr lang="ru-RU"/>
           </a:p>
@@ -1806,7 +1806,7 @@
           <a:p>
             <a:fld id="{E4805DB2-06D5-9A4D-B011-E89EF50A620E}" type="datetimeFigureOut">
               <a:rPr lang="ru-RU" smtClean="0"/>
-              <a:t>08.04.2022</a:t>
+              <a:t>29.04.2022</a:t>
             </a:fld>
             <a:endParaRPr lang="ru-RU"/>
           </a:p>
@@ -1919,7 +1919,7 @@
           <a:p>
             <a:fld id="{E4805DB2-06D5-9A4D-B011-E89EF50A620E}" type="datetimeFigureOut">
               <a:rPr lang="ru-RU" smtClean="0"/>
-              <a:t>08.04.2022</a:t>
+              <a:t>29.04.2022</a:t>
             </a:fld>
             <a:endParaRPr lang="ru-RU"/>
           </a:p>
@@ -2208,7 +2208,7 @@
           <a:p>
             <a:fld id="{E4805DB2-06D5-9A4D-B011-E89EF50A620E}" type="datetimeFigureOut">
               <a:rPr lang="ru-RU" smtClean="0"/>
-              <a:t>08.04.2022</a:t>
+              <a:t>29.04.2022</a:t>
             </a:fld>
             <a:endParaRPr lang="ru-RU"/>
           </a:p>
@@ -2499,7 +2499,7 @@
           <a:p>
             <a:fld id="{E4805DB2-06D5-9A4D-B011-E89EF50A620E}" type="datetimeFigureOut">
               <a:rPr lang="ru-RU" smtClean="0"/>
-              <a:t>08.04.2022</a:t>
+              <a:t>29.04.2022</a:t>
             </a:fld>
             <a:endParaRPr lang="ru-RU"/>
           </a:p>
@@ -2715,7 +2715,7 @@
           <a:p>
             <a:fld id="{E4805DB2-06D5-9A4D-B011-E89EF50A620E}" type="datetimeFigureOut">
               <a:rPr lang="ru-RU" smtClean="0"/>
-              <a:t>08.04.2022</a:t>
+              <a:t>29.04.2022</a:t>
             </a:fld>
             <a:endParaRPr lang="ru-RU"/>
           </a:p>
